--- a/presentation/cloud computing presentation 3.pptx
+++ b/presentation/cloud computing presentation 3.pptx
@@ -481,6 +481,90 @@
 </p:notesMaster>
 </file>
 
+<file path=ppt/notesSlides/notesSlide1.xml><?xml version="1.0" encoding="utf-8"?>
+<p:notes xmlns:a="http://schemas.openxmlformats.org/drawingml/2006/main" xmlns:r="http://schemas.openxmlformats.org/officeDocument/2006/relationships" xmlns:p="http://schemas.openxmlformats.org/presentationml/2006/main">
+  <p:cSld>
+    <p:spTree>
+      <p:nvGrpSpPr>
+        <p:cNvPr id="1" name=""/>
+        <p:cNvGrpSpPr/>
+        <p:nvPr/>
+      </p:nvGrpSpPr>
+      <p:grpSpPr>
+        <a:xfrm>
+          <a:off x="0" y="0"/>
+          <a:ext cx="0" cy="0"/>
+          <a:chOff x="0" y="0"/>
+          <a:chExt cx="0" cy="0"/>
+        </a:xfrm>
+      </p:grpSpPr>
+      <p:sp>
+        <p:nvSpPr>
+          <p:cNvPr id="2" name="Slide Image Placeholder 1"/>
+          <p:cNvSpPr>
+            <a:spLocks noGrp="1" noRot="1" noChangeAspect="1"/>
+          </p:cNvSpPr>
+          <p:nvPr>
+            <p:ph type="sldImg"/>
+          </p:nvPr>
+        </p:nvSpPr>
+        <p:spPr/>
+      </p:sp>
+      <p:sp>
+        <p:nvSpPr>
+          <p:cNvPr id="3" name="Notes Placeholder 2"/>
+          <p:cNvSpPr>
+            <a:spLocks noGrp="1"/>
+          </p:cNvSpPr>
+          <p:nvPr>
+            <p:ph type="body" idx="1"/>
+          </p:nvPr>
+        </p:nvSpPr>
+        <p:spPr/>
+        <p:txBody>
+          <a:bodyPr/>
+          <a:lstStyle/>
+          <a:p>
+            <a:endParaRPr lang="en-GB" dirty="0"/>
+          </a:p>
+        </p:txBody>
+      </p:sp>
+      <p:sp>
+        <p:nvSpPr>
+          <p:cNvPr id="4" name="Slide Number Placeholder 3"/>
+          <p:cNvSpPr>
+            <a:spLocks noGrp="1"/>
+          </p:cNvSpPr>
+          <p:nvPr>
+            <p:ph type="sldNum" sz="quarter" idx="10"/>
+          </p:nvPr>
+        </p:nvSpPr>
+        <p:spPr/>
+        <p:txBody>
+          <a:bodyPr/>
+          <a:lstStyle/>
+          <a:p>
+            <a:fld id="{A71AA13E-AEFA-4368-ACAC-D47EE46A9020}" type="slidenum">
+              <a:rPr lang="de-DE" smtClean="0"/>
+              <a:t>4</a:t>
+            </a:fld>
+            <a:endParaRPr lang="de-DE"/>
+          </a:p>
+        </p:txBody>
+      </p:sp>
+    </p:spTree>
+    <p:extLst>
+      <p:ext uri="{BB962C8B-B14F-4D97-AF65-F5344CB8AC3E}">
+        <p14:creationId xmlns:p14="http://schemas.microsoft.com/office/powerpoint/2010/main" val="2052292292"/>
+      </p:ext>
+    </p:extLst>
+  </p:cSld>
+  <p:clrMapOvr>
+    <a:masterClrMapping/>
+  </p:clrMapOvr>
+</p:notes>
+</file>
+
 <file path=ppt/slideLayouts/slideLayout1.xml><?xml version="1.0" encoding="utf-8"?>
 <p:sldLayout xmlns:a="http://schemas.openxmlformats.org/drawingml/2006/main" xmlns:r="http://schemas.openxmlformats.org/officeDocument/2006/relationships" xmlns:p="http://schemas.openxmlformats.org/presentationml/2006/main" type="title" preserve="1">
   <p:cSld name="Titelfolie">
@@ -503,7 +587,7 @@
           <p:cNvPr id="2" name="Titel 1">
             <a:extLst>
               <a:ext uri="{FF2B5EF4-FFF2-40B4-BE49-F238E27FC236}">
-                <a16:creationId xmlns="" xmlns:a16="http://schemas.microsoft.com/office/drawing/2014/main" id="{47F32ECD-C87E-4061-9AAE-1F8D7D9DD4C5}"/>
+                <a16:creationId xmlns:a16="http://schemas.microsoft.com/office/drawing/2014/main" xmlns="" id="{47F32ECD-C87E-4061-9AAE-1F8D7D9DD4C5}"/>
               </a:ext>
             </a:extLst>
           </p:cNvPr>
@@ -540,7 +624,7 @@
           <p:cNvPr id="3" name="Untertitel 2">
             <a:extLst>
               <a:ext uri="{FF2B5EF4-FFF2-40B4-BE49-F238E27FC236}">
-                <a16:creationId xmlns="" xmlns:a16="http://schemas.microsoft.com/office/drawing/2014/main" id="{371866B0-1D99-4A42-B5FA-9C6DC500B725}"/>
+                <a16:creationId xmlns:a16="http://schemas.microsoft.com/office/drawing/2014/main" xmlns="" id="{371866B0-1D99-4A42-B5FA-9C6DC500B725}"/>
               </a:ext>
             </a:extLst>
           </p:cNvPr>
@@ -610,7 +694,7 @@
           <p:cNvPr id="4" name="Datumsplatzhalter 3">
             <a:extLst>
               <a:ext uri="{FF2B5EF4-FFF2-40B4-BE49-F238E27FC236}">
-                <a16:creationId xmlns="" xmlns:a16="http://schemas.microsoft.com/office/drawing/2014/main" id="{DD6CB4BA-2F12-421F-BD68-5F80033A9471}"/>
+                <a16:creationId xmlns:a16="http://schemas.microsoft.com/office/drawing/2014/main" xmlns="" id="{DD6CB4BA-2F12-421F-BD68-5F80033A9471}"/>
               </a:ext>
             </a:extLst>
           </p:cNvPr>
@@ -639,7 +723,7 @@
           <p:cNvPr id="5" name="Fußzeilenplatzhalter 4">
             <a:extLst>
               <a:ext uri="{FF2B5EF4-FFF2-40B4-BE49-F238E27FC236}">
-                <a16:creationId xmlns="" xmlns:a16="http://schemas.microsoft.com/office/drawing/2014/main" id="{95C62F31-C1E7-49BB-9392-C21299B4F92F}"/>
+                <a16:creationId xmlns:a16="http://schemas.microsoft.com/office/drawing/2014/main" xmlns="" id="{95C62F31-C1E7-49BB-9392-C21299B4F92F}"/>
               </a:ext>
             </a:extLst>
           </p:cNvPr>
@@ -668,7 +752,7 @@
           <p:cNvPr id="6" name="Foliennummernplatzhalter 5">
             <a:extLst>
               <a:ext uri="{FF2B5EF4-FFF2-40B4-BE49-F238E27FC236}">
-                <a16:creationId xmlns="" xmlns:a16="http://schemas.microsoft.com/office/drawing/2014/main" id="{DD570586-B3D0-451F-A090-DAD3903BB37D}"/>
+                <a16:creationId xmlns:a16="http://schemas.microsoft.com/office/drawing/2014/main" xmlns="" id="{DD570586-B3D0-451F-A090-DAD3903BB37D}"/>
               </a:ext>
             </a:extLst>
           </p:cNvPr>
@@ -727,7 +811,7 @@
           <p:cNvPr id="2" name="Titel 1">
             <a:extLst>
               <a:ext uri="{FF2B5EF4-FFF2-40B4-BE49-F238E27FC236}">
-                <a16:creationId xmlns="" xmlns:a16="http://schemas.microsoft.com/office/drawing/2014/main" id="{6F9B3086-9047-4EE5-82AD-7A329984A073}"/>
+                <a16:creationId xmlns:a16="http://schemas.microsoft.com/office/drawing/2014/main" xmlns="" id="{6F9B3086-9047-4EE5-82AD-7A329984A073}"/>
               </a:ext>
             </a:extLst>
           </p:cNvPr>
@@ -755,7 +839,7 @@
           <p:cNvPr id="3" name="Vertikaler Textplatzhalter 2">
             <a:extLst>
               <a:ext uri="{FF2B5EF4-FFF2-40B4-BE49-F238E27FC236}">
-                <a16:creationId xmlns="" xmlns:a16="http://schemas.microsoft.com/office/drawing/2014/main" id="{799D640B-47FF-4251-AF96-5AA81351E6D3}"/>
+                <a16:creationId xmlns:a16="http://schemas.microsoft.com/office/drawing/2014/main" xmlns="" id="{799D640B-47FF-4251-AF96-5AA81351E6D3}"/>
               </a:ext>
             </a:extLst>
           </p:cNvPr>
@@ -812,7 +896,7 @@
           <p:cNvPr id="4" name="Datumsplatzhalter 3">
             <a:extLst>
               <a:ext uri="{FF2B5EF4-FFF2-40B4-BE49-F238E27FC236}">
-                <a16:creationId xmlns="" xmlns:a16="http://schemas.microsoft.com/office/drawing/2014/main" id="{4B6AEB78-B248-46C8-88F0-8E7E80FF13C2}"/>
+                <a16:creationId xmlns:a16="http://schemas.microsoft.com/office/drawing/2014/main" xmlns="" id="{4B6AEB78-B248-46C8-88F0-8E7E80FF13C2}"/>
               </a:ext>
             </a:extLst>
           </p:cNvPr>
@@ -841,7 +925,7 @@
           <p:cNvPr id="5" name="Fußzeilenplatzhalter 4">
             <a:extLst>
               <a:ext uri="{FF2B5EF4-FFF2-40B4-BE49-F238E27FC236}">
-                <a16:creationId xmlns="" xmlns:a16="http://schemas.microsoft.com/office/drawing/2014/main" id="{90F406D5-4E9E-4F99-8593-160AC712F047}"/>
+                <a16:creationId xmlns:a16="http://schemas.microsoft.com/office/drawing/2014/main" xmlns="" id="{90F406D5-4E9E-4F99-8593-160AC712F047}"/>
               </a:ext>
             </a:extLst>
           </p:cNvPr>
@@ -870,7 +954,7 @@
           <p:cNvPr id="6" name="Foliennummernplatzhalter 5">
             <a:extLst>
               <a:ext uri="{FF2B5EF4-FFF2-40B4-BE49-F238E27FC236}">
-                <a16:creationId xmlns="" xmlns:a16="http://schemas.microsoft.com/office/drawing/2014/main" id="{59962D6A-AAB6-4EDB-9EDE-E63D6BA1DEB0}"/>
+                <a16:creationId xmlns:a16="http://schemas.microsoft.com/office/drawing/2014/main" xmlns="" id="{59962D6A-AAB6-4EDB-9EDE-E63D6BA1DEB0}"/>
               </a:ext>
             </a:extLst>
           </p:cNvPr>
@@ -929,7 +1013,7 @@
           <p:cNvPr id="2" name="Vertikaler Titel 1">
             <a:extLst>
               <a:ext uri="{FF2B5EF4-FFF2-40B4-BE49-F238E27FC236}">
-                <a16:creationId xmlns="" xmlns:a16="http://schemas.microsoft.com/office/drawing/2014/main" id="{7798136F-04A2-4B9A-B7BF-EB007BC88E14}"/>
+                <a16:creationId xmlns:a16="http://schemas.microsoft.com/office/drawing/2014/main" xmlns="" id="{7798136F-04A2-4B9A-B7BF-EB007BC88E14}"/>
               </a:ext>
             </a:extLst>
           </p:cNvPr>
@@ -962,7 +1046,7 @@
           <p:cNvPr id="3" name="Vertikaler Textplatzhalter 2">
             <a:extLst>
               <a:ext uri="{FF2B5EF4-FFF2-40B4-BE49-F238E27FC236}">
-                <a16:creationId xmlns="" xmlns:a16="http://schemas.microsoft.com/office/drawing/2014/main" id="{9460204F-62D3-485B-8053-3CA2469C680C}"/>
+                <a16:creationId xmlns:a16="http://schemas.microsoft.com/office/drawing/2014/main" xmlns="" id="{9460204F-62D3-485B-8053-3CA2469C680C}"/>
               </a:ext>
             </a:extLst>
           </p:cNvPr>
@@ -1024,7 +1108,7 @@
           <p:cNvPr id="4" name="Datumsplatzhalter 3">
             <a:extLst>
               <a:ext uri="{FF2B5EF4-FFF2-40B4-BE49-F238E27FC236}">
-                <a16:creationId xmlns="" xmlns:a16="http://schemas.microsoft.com/office/drawing/2014/main" id="{7527FA46-C341-48B3-8F03-5D6ADE1731B7}"/>
+                <a16:creationId xmlns:a16="http://schemas.microsoft.com/office/drawing/2014/main" xmlns="" id="{7527FA46-C341-48B3-8F03-5D6ADE1731B7}"/>
               </a:ext>
             </a:extLst>
           </p:cNvPr>
@@ -1053,7 +1137,7 @@
           <p:cNvPr id="5" name="Fußzeilenplatzhalter 4">
             <a:extLst>
               <a:ext uri="{FF2B5EF4-FFF2-40B4-BE49-F238E27FC236}">
-                <a16:creationId xmlns="" xmlns:a16="http://schemas.microsoft.com/office/drawing/2014/main" id="{5E547F93-42B5-4DE3-B4BB-7D3E6962FE7B}"/>
+                <a16:creationId xmlns:a16="http://schemas.microsoft.com/office/drawing/2014/main" xmlns="" id="{5E547F93-42B5-4DE3-B4BB-7D3E6962FE7B}"/>
               </a:ext>
             </a:extLst>
           </p:cNvPr>
@@ -1082,7 +1166,7 @@
           <p:cNvPr id="6" name="Foliennummernplatzhalter 5">
             <a:extLst>
               <a:ext uri="{FF2B5EF4-FFF2-40B4-BE49-F238E27FC236}">
-                <a16:creationId xmlns="" xmlns:a16="http://schemas.microsoft.com/office/drawing/2014/main" id="{CB7AF820-0376-4344-867E-1626EB42AB4F}"/>
+                <a16:creationId xmlns:a16="http://schemas.microsoft.com/office/drawing/2014/main" xmlns="" id="{CB7AF820-0376-4344-867E-1626EB42AB4F}"/>
               </a:ext>
             </a:extLst>
           </p:cNvPr>
@@ -1141,7 +1225,7 @@
           <p:cNvPr id="2" name="Titel 1">
             <a:extLst>
               <a:ext uri="{FF2B5EF4-FFF2-40B4-BE49-F238E27FC236}">
-                <a16:creationId xmlns="" xmlns:a16="http://schemas.microsoft.com/office/drawing/2014/main" id="{C39727A8-9141-4756-B386-693EDDA95A69}"/>
+                <a16:creationId xmlns:a16="http://schemas.microsoft.com/office/drawing/2014/main" xmlns="" id="{C39727A8-9141-4756-B386-693EDDA95A69}"/>
               </a:ext>
             </a:extLst>
           </p:cNvPr>
@@ -1169,7 +1253,7 @@
           <p:cNvPr id="3" name="Inhaltsplatzhalter 2">
             <a:extLst>
               <a:ext uri="{FF2B5EF4-FFF2-40B4-BE49-F238E27FC236}">
-                <a16:creationId xmlns="" xmlns:a16="http://schemas.microsoft.com/office/drawing/2014/main" id="{278D032C-380F-441C-9EE2-5AC92171BADA}"/>
+                <a16:creationId xmlns:a16="http://schemas.microsoft.com/office/drawing/2014/main" xmlns="" id="{278D032C-380F-441C-9EE2-5AC92171BADA}"/>
               </a:ext>
             </a:extLst>
           </p:cNvPr>
@@ -1226,7 +1310,7 @@
           <p:cNvPr id="4" name="Datumsplatzhalter 3">
             <a:extLst>
               <a:ext uri="{FF2B5EF4-FFF2-40B4-BE49-F238E27FC236}">
-                <a16:creationId xmlns="" xmlns:a16="http://schemas.microsoft.com/office/drawing/2014/main" id="{CD18ED52-0769-4CE1-9250-E8E9301A63C0}"/>
+                <a16:creationId xmlns:a16="http://schemas.microsoft.com/office/drawing/2014/main" xmlns="" id="{CD18ED52-0769-4CE1-9250-E8E9301A63C0}"/>
               </a:ext>
             </a:extLst>
           </p:cNvPr>
@@ -1255,7 +1339,7 @@
           <p:cNvPr id="5" name="Fußzeilenplatzhalter 4">
             <a:extLst>
               <a:ext uri="{FF2B5EF4-FFF2-40B4-BE49-F238E27FC236}">
-                <a16:creationId xmlns="" xmlns:a16="http://schemas.microsoft.com/office/drawing/2014/main" id="{8D01277F-6318-45A4-BE2F-524202A90984}"/>
+                <a16:creationId xmlns:a16="http://schemas.microsoft.com/office/drawing/2014/main" xmlns="" id="{8D01277F-6318-45A4-BE2F-524202A90984}"/>
               </a:ext>
             </a:extLst>
           </p:cNvPr>
@@ -1284,7 +1368,7 @@
           <p:cNvPr id="6" name="Foliennummernplatzhalter 5">
             <a:extLst>
               <a:ext uri="{FF2B5EF4-FFF2-40B4-BE49-F238E27FC236}">
-                <a16:creationId xmlns="" xmlns:a16="http://schemas.microsoft.com/office/drawing/2014/main" id="{5BD6E8CE-0389-468F-9956-743DD64BA700}"/>
+                <a16:creationId xmlns:a16="http://schemas.microsoft.com/office/drawing/2014/main" xmlns="" id="{5BD6E8CE-0389-468F-9956-743DD64BA700}"/>
               </a:ext>
             </a:extLst>
           </p:cNvPr>
@@ -1343,7 +1427,7 @@
           <p:cNvPr id="2" name="Titel 1">
             <a:extLst>
               <a:ext uri="{FF2B5EF4-FFF2-40B4-BE49-F238E27FC236}">
-                <a16:creationId xmlns="" xmlns:a16="http://schemas.microsoft.com/office/drawing/2014/main" id="{A3F697E2-E0B6-47FC-A332-B3AB194E4D29}"/>
+                <a16:creationId xmlns:a16="http://schemas.microsoft.com/office/drawing/2014/main" xmlns="" id="{A3F697E2-E0B6-47FC-A332-B3AB194E4D29}"/>
               </a:ext>
             </a:extLst>
           </p:cNvPr>
@@ -1380,7 +1464,7 @@
           <p:cNvPr id="3" name="Textplatzhalter 2">
             <a:extLst>
               <a:ext uri="{FF2B5EF4-FFF2-40B4-BE49-F238E27FC236}">
-                <a16:creationId xmlns="" xmlns:a16="http://schemas.microsoft.com/office/drawing/2014/main" id="{9F1AB9FB-6A1C-4875-A7B0-2F4BB4090421}"/>
+                <a16:creationId xmlns:a16="http://schemas.microsoft.com/office/drawing/2014/main" xmlns="" id="{9F1AB9FB-6A1C-4875-A7B0-2F4BB4090421}"/>
               </a:ext>
             </a:extLst>
           </p:cNvPr>
@@ -1505,7 +1589,7 @@
           <p:cNvPr id="4" name="Datumsplatzhalter 3">
             <a:extLst>
               <a:ext uri="{FF2B5EF4-FFF2-40B4-BE49-F238E27FC236}">
-                <a16:creationId xmlns="" xmlns:a16="http://schemas.microsoft.com/office/drawing/2014/main" id="{0C12C9C1-9040-4AC0-AA43-827BFBBCC594}"/>
+                <a16:creationId xmlns:a16="http://schemas.microsoft.com/office/drawing/2014/main" xmlns="" id="{0C12C9C1-9040-4AC0-AA43-827BFBBCC594}"/>
               </a:ext>
             </a:extLst>
           </p:cNvPr>
@@ -1534,7 +1618,7 @@
           <p:cNvPr id="5" name="Fußzeilenplatzhalter 4">
             <a:extLst>
               <a:ext uri="{FF2B5EF4-FFF2-40B4-BE49-F238E27FC236}">
-                <a16:creationId xmlns="" xmlns:a16="http://schemas.microsoft.com/office/drawing/2014/main" id="{3A2EF2E5-7166-4DBB-B550-EFDB8087EFCE}"/>
+                <a16:creationId xmlns:a16="http://schemas.microsoft.com/office/drawing/2014/main" xmlns="" id="{3A2EF2E5-7166-4DBB-B550-EFDB8087EFCE}"/>
               </a:ext>
             </a:extLst>
           </p:cNvPr>
@@ -1563,7 +1647,7 @@
           <p:cNvPr id="6" name="Foliennummernplatzhalter 5">
             <a:extLst>
               <a:ext uri="{FF2B5EF4-FFF2-40B4-BE49-F238E27FC236}">
-                <a16:creationId xmlns="" xmlns:a16="http://schemas.microsoft.com/office/drawing/2014/main" id="{CA891853-BC5F-45A8-B3FC-6552F9FB0215}"/>
+                <a16:creationId xmlns:a16="http://schemas.microsoft.com/office/drawing/2014/main" xmlns="" id="{CA891853-BC5F-45A8-B3FC-6552F9FB0215}"/>
               </a:ext>
             </a:extLst>
           </p:cNvPr>
@@ -1622,7 +1706,7 @@
           <p:cNvPr id="2" name="Titel 1">
             <a:extLst>
               <a:ext uri="{FF2B5EF4-FFF2-40B4-BE49-F238E27FC236}">
-                <a16:creationId xmlns="" xmlns:a16="http://schemas.microsoft.com/office/drawing/2014/main" id="{3DF2AAAF-41CE-4A97-961A-82D7B9BF45BD}"/>
+                <a16:creationId xmlns:a16="http://schemas.microsoft.com/office/drawing/2014/main" xmlns="" id="{3DF2AAAF-41CE-4A97-961A-82D7B9BF45BD}"/>
               </a:ext>
             </a:extLst>
           </p:cNvPr>
@@ -1650,7 +1734,7 @@
           <p:cNvPr id="3" name="Inhaltsplatzhalter 2">
             <a:extLst>
               <a:ext uri="{FF2B5EF4-FFF2-40B4-BE49-F238E27FC236}">
-                <a16:creationId xmlns="" xmlns:a16="http://schemas.microsoft.com/office/drawing/2014/main" id="{3147A1BB-6E8F-4867-8C7E-CA1CE6C448EA}"/>
+                <a16:creationId xmlns:a16="http://schemas.microsoft.com/office/drawing/2014/main" xmlns="" id="{3147A1BB-6E8F-4867-8C7E-CA1CE6C448EA}"/>
               </a:ext>
             </a:extLst>
           </p:cNvPr>
@@ -1712,7 +1796,7 @@
           <p:cNvPr id="4" name="Inhaltsplatzhalter 3">
             <a:extLst>
               <a:ext uri="{FF2B5EF4-FFF2-40B4-BE49-F238E27FC236}">
-                <a16:creationId xmlns="" xmlns:a16="http://schemas.microsoft.com/office/drawing/2014/main" id="{61F4C39D-27A6-4DA6-B8F2-2E1AD5C059C4}"/>
+                <a16:creationId xmlns:a16="http://schemas.microsoft.com/office/drawing/2014/main" xmlns="" id="{61F4C39D-27A6-4DA6-B8F2-2E1AD5C059C4}"/>
               </a:ext>
             </a:extLst>
           </p:cNvPr>
@@ -1774,7 +1858,7 @@
           <p:cNvPr id="5" name="Datumsplatzhalter 4">
             <a:extLst>
               <a:ext uri="{FF2B5EF4-FFF2-40B4-BE49-F238E27FC236}">
-                <a16:creationId xmlns="" xmlns:a16="http://schemas.microsoft.com/office/drawing/2014/main" id="{36012217-39AA-4639-9EC5-80D267938EAC}"/>
+                <a16:creationId xmlns:a16="http://schemas.microsoft.com/office/drawing/2014/main" xmlns="" id="{36012217-39AA-4639-9EC5-80D267938EAC}"/>
               </a:ext>
             </a:extLst>
           </p:cNvPr>
@@ -1803,7 +1887,7 @@
           <p:cNvPr id="6" name="Fußzeilenplatzhalter 5">
             <a:extLst>
               <a:ext uri="{FF2B5EF4-FFF2-40B4-BE49-F238E27FC236}">
-                <a16:creationId xmlns="" xmlns:a16="http://schemas.microsoft.com/office/drawing/2014/main" id="{6D803B97-F703-4D46-8DD5-FB09EBCBAF5E}"/>
+                <a16:creationId xmlns:a16="http://schemas.microsoft.com/office/drawing/2014/main" xmlns="" id="{6D803B97-F703-4D46-8DD5-FB09EBCBAF5E}"/>
               </a:ext>
             </a:extLst>
           </p:cNvPr>
@@ -1832,7 +1916,7 @@
           <p:cNvPr id="7" name="Foliennummernplatzhalter 6">
             <a:extLst>
               <a:ext uri="{FF2B5EF4-FFF2-40B4-BE49-F238E27FC236}">
-                <a16:creationId xmlns="" xmlns:a16="http://schemas.microsoft.com/office/drawing/2014/main" id="{05F3EC89-5091-4A2A-9C9C-C86C665226D9}"/>
+                <a16:creationId xmlns:a16="http://schemas.microsoft.com/office/drawing/2014/main" xmlns="" id="{05F3EC89-5091-4A2A-9C9C-C86C665226D9}"/>
               </a:ext>
             </a:extLst>
           </p:cNvPr>
@@ -1891,7 +1975,7 @@
           <p:cNvPr id="2" name="Titel 1">
             <a:extLst>
               <a:ext uri="{FF2B5EF4-FFF2-40B4-BE49-F238E27FC236}">
-                <a16:creationId xmlns="" xmlns:a16="http://schemas.microsoft.com/office/drawing/2014/main" id="{B83661D6-41CF-42FD-8379-D6ED32E460DB}"/>
+                <a16:creationId xmlns:a16="http://schemas.microsoft.com/office/drawing/2014/main" xmlns="" id="{B83661D6-41CF-42FD-8379-D6ED32E460DB}"/>
               </a:ext>
             </a:extLst>
           </p:cNvPr>
@@ -1924,7 +2008,7 @@
           <p:cNvPr id="3" name="Textplatzhalter 2">
             <a:extLst>
               <a:ext uri="{FF2B5EF4-FFF2-40B4-BE49-F238E27FC236}">
-                <a16:creationId xmlns="" xmlns:a16="http://schemas.microsoft.com/office/drawing/2014/main" id="{6F3E57FF-86EE-4CEC-BA1F-61188C278174}"/>
+                <a16:creationId xmlns:a16="http://schemas.microsoft.com/office/drawing/2014/main" xmlns="" id="{6F3E57FF-86EE-4CEC-BA1F-61188C278174}"/>
               </a:ext>
             </a:extLst>
           </p:cNvPr>
@@ -1995,7 +2079,7 @@
           <p:cNvPr id="4" name="Inhaltsplatzhalter 3">
             <a:extLst>
               <a:ext uri="{FF2B5EF4-FFF2-40B4-BE49-F238E27FC236}">
-                <a16:creationId xmlns="" xmlns:a16="http://schemas.microsoft.com/office/drawing/2014/main" id="{F2DA0E47-2EC8-4248-B2D1-1104BECC74B1}"/>
+                <a16:creationId xmlns:a16="http://schemas.microsoft.com/office/drawing/2014/main" xmlns="" id="{F2DA0E47-2EC8-4248-B2D1-1104BECC74B1}"/>
               </a:ext>
             </a:extLst>
           </p:cNvPr>
@@ -2057,7 +2141,7 @@
           <p:cNvPr id="5" name="Textplatzhalter 4">
             <a:extLst>
               <a:ext uri="{FF2B5EF4-FFF2-40B4-BE49-F238E27FC236}">
-                <a16:creationId xmlns="" xmlns:a16="http://schemas.microsoft.com/office/drawing/2014/main" id="{A69D2170-72EE-45D5-893F-88964406A84B}"/>
+                <a16:creationId xmlns:a16="http://schemas.microsoft.com/office/drawing/2014/main" xmlns="" id="{A69D2170-72EE-45D5-893F-88964406A84B}"/>
               </a:ext>
             </a:extLst>
           </p:cNvPr>
@@ -2128,7 +2212,7 @@
           <p:cNvPr id="6" name="Inhaltsplatzhalter 5">
             <a:extLst>
               <a:ext uri="{FF2B5EF4-FFF2-40B4-BE49-F238E27FC236}">
-                <a16:creationId xmlns="" xmlns:a16="http://schemas.microsoft.com/office/drawing/2014/main" id="{B44C038B-F81C-4147-84EA-A2379B95AED9}"/>
+                <a16:creationId xmlns:a16="http://schemas.microsoft.com/office/drawing/2014/main" xmlns="" id="{B44C038B-F81C-4147-84EA-A2379B95AED9}"/>
               </a:ext>
             </a:extLst>
           </p:cNvPr>
@@ -2190,7 +2274,7 @@
           <p:cNvPr id="7" name="Datumsplatzhalter 6">
             <a:extLst>
               <a:ext uri="{FF2B5EF4-FFF2-40B4-BE49-F238E27FC236}">
-                <a16:creationId xmlns="" xmlns:a16="http://schemas.microsoft.com/office/drawing/2014/main" id="{00F50947-5BB5-49A0-A257-5F3EE01BEBAB}"/>
+                <a16:creationId xmlns:a16="http://schemas.microsoft.com/office/drawing/2014/main" xmlns="" id="{00F50947-5BB5-49A0-A257-5F3EE01BEBAB}"/>
               </a:ext>
             </a:extLst>
           </p:cNvPr>
@@ -2219,7 +2303,7 @@
           <p:cNvPr id="8" name="Fußzeilenplatzhalter 7">
             <a:extLst>
               <a:ext uri="{FF2B5EF4-FFF2-40B4-BE49-F238E27FC236}">
-                <a16:creationId xmlns="" xmlns:a16="http://schemas.microsoft.com/office/drawing/2014/main" id="{05ABF5AF-493D-41A2-8EFB-D48E3109BBBD}"/>
+                <a16:creationId xmlns:a16="http://schemas.microsoft.com/office/drawing/2014/main" xmlns="" id="{05ABF5AF-493D-41A2-8EFB-D48E3109BBBD}"/>
               </a:ext>
             </a:extLst>
           </p:cNvPr>
@@ -2248,7 +2332,7 @@
           <p:cNvPr id="9" name="Foliennummernplatzhalter 8">
             <a:extLst>
               <a:ext uri="{FF2B5EF4-FFF2-40B4-BE49-F238E27FC236}">
-                <a16:creationId xmlns="" xmlns:a16="http://schemas.microsoft.com/office/drawing/2014/main" id="{E22947B1-9F1F-473C-8F2F-8404D615953B}"/>
+                <a16:creationId xmlns:a16="http://schemas.microsoft.com/office/drawing/2014/main" xmlns="" id="{E22947B1-9F1F-473C-8F2F-8404D615953B}"/>
               </a:ext>
             </a:extLst>
           </p:cNvPr>
@@ -2307,7 +2391,7 @@
           <p:cNvPr id="2" name="Titel 1">
             <a:extLst>
               <a:ext uri="{FF2B5EF4-FFF2-40B4-BE49-F238E27FC236}">
-                <a16:creationId xmlns="" xmlns:a16="http://schemas.microsoft.com/office/drawing/2014/main" id="{39A4BA90-CBE0-40D7-8209-B5427F2F31D4}"/>
+                <a16:creationId xmlns:a16="http://schemas.microsoft.com/office/drawing/2014/main" xmlns="" id="{39A4BA90-CBE0-40D7-8209-B5427F2F31D4}"/>
               </a:ext>
             </a:extLst>
           </p:cNvPr>
@@ -2335,7 +2419,7 @@
           <p:cNvPr id="3" name="Datumsplatzhalter 2">
             <a:extLst>
               <a:ext uri="{FF2B5EF4-FFF2-40B4-BE49-F238E27FC236}">
-                <a16:creationId xmlns="" xmlns:a16="http://schemas.microsoft.com/office/drawing/2014/main" id="{8547B586-ADA5-4255-93C3-D9F35BFE73AF}"/>
+                <a16:creationId xmlns:a16="http://schemas.microsoft.com/office/drawing/2014/main" xmlns="" id="{8547B586-ADA5-4255-93C3-D9F35BFE73AF}"/>
               </a:ext>
             </a:extLst>
           </p:cNvPr>
@@ -2364,7 +2448,7 @@
           <p:cNvPr id="4" name="Fußzeilenplatzhalter 3">
             <a:extLst>
               <a:ext uri="{FF2B5EF4-FFF2-40B4-BE49-F238E27FC236}">
-                <a16:creationId xmlns="" xmlns:a16="http://schemas.microsoft.com/office/drawing/2014/main" id="{354EDF52-C6E6-47D7-9D7C-531E011CE113}"/>
+                <a16:creationId xmlns:a16="http://schemas.microsoft.com/office/drawing/2014/main" xmlns="" id="{354EDF52-C6E6-47D7-9D7C-531E011CE113}"/>
               </a:ext>
             </a:extLst>
           </p:cNvPr>
@@ -2393,7 +2477,7 @@
           <p:cNvPr id="5" name="Foliennummernplatzhalter 4">
             <a:extLst>
               <a:ext uri="{FF2B5EF4-FFF2-40B4-BE49-F238E27FC236}">
-                <a16:creationId xmlns="" xmlns:a16="http://schemas.microsoft.com/office/drawing/2014/main" id="{A0108114-375B-4198-8777-AA0BC1CF8454}"/>
+                <a16:creationId xmlns:a16="http://schemas.microsoft.com/office/drawing/2014/main" xmlns="" id="{A0108114-375B-4198-8777-AA0BC1CF8454}"/>
               </a:ext>
             </a:extLst>
           </p:cNvPr>
@@ -2452,7 +2536,7 @@
           <p:cNvPr id="2" name="Datumsplatzhalter 1">
             <a:extLst>
               <a:ext uri="{FF2B5EF4-FFF2-40B4-BE49-F238E27FC236}">
-                <a16:creationId xmlns="" xmlns:a16="http://schemas.microsoft.com/office/drawing/2014/main" id="{3D0B574D-C484-4BA9-BB10-D5BBA3763E13}"/>
+                <a16:creationId xmlns:a16="http://schemas.microsoft.com/office/drawing/2014/main" xmlns="" id="{3D0B574D-C484-4BA9-BB10-D5BBA3763E13}"/>
               </a:ext>
             </a:extLst>
           </p:cNvPr>
@@ -2481,7 +2565,7 @@
           <p:cNvPr id="3" name="Fußzeilenplatzhalter 2">
             <a:extLst>
               <a:ext uri="{FF2B5EF4-FFF2-40B4-BE49-F238E27FC236}">
-                <a16:creationId xmlns="" xmlns:a16="http://schemas.microsoft.com/office/drawing/2014/main" id="{B84F4DF3-0EBA-4CB3-B0B4-D02598950A19}"/>
+                <a16:creationId xmlns:a16="http://schemas.microsoft.com/office/drawing/2014/main" xmlns="" id="{B84F4DF3-0EBA-4CB3-B0B4-D02598950A19}"/>
               </a:ext>
             </a:extLst>
           </p:cNvPr>
@@ -2510,7 +2594,7 @@
           <p:cNvPr id="4" name="Foliennummernplatzhalter 3">
             <a:extLst>
               <a:ext uri="{FF2B5EF4-FFF2-40B4-BE49-F238E27FC236}">
-                <a16:creationId xmlns="" xmlns:a16="http://schemas.microsoft.com/office/drawing/2014/main" id="{25E26129-3EF5-4E14-8883-205A1EFAEA47}"/>
+                <a16:creationId xmlns:a16="http://schemas.microsoft.com/office/drawing/2014/main" xmlns="" id="{25E26129-3EF5-4E14-8883-205A1EFAEA47}"/>
               </a:ext>
             </a:extLst>
           </p:cNvPr>
@@ -2569,7 +2653,7 @@
           <p:cNvPr id="2" name="Titel 1">
             <a:extLst>
               <a:ext uri="{FF2B5EF4-FFF2-40B4-BE49-F238E27FC236}">
-                <a16:creationId xmlns="" xmlns:a16="http://schemas.microsoft.com/office/drawing/2014/main" id="{4D280506-2D7A-42DD-B725-24671EA88E24}"/>
+                <a16:creationId xmlns:a16="http://schemas.microsoft.com/office/drawing/2014/main" xmlns="" id="{4D280506-2D7A-42DD-B725-24671EA88E24}"/>
               </a:ext>
             </a:extLst>
           </p:cNvPr>
@@ -2606,7 +2690,7 @@
           <p:cNvPr id="3" name="Inhaltsplatzhalter 2">
             <a:extLst>
               <a:ext uri="{FF2B5EF4-FFF2-40B4-BE49-F238E27FC236}">
-                <a16:creationId xmlns="" xmlns:a16="http://schemas.microsoft.com/office/drawing/2014/main" id="{3970B40A-924C-4652-84EA-738A657BCA3E}"/>
+                <a16:creationId xmlns:a16="http://schemas.microsoft.com/office/drawing/2014/main" xmlns="" id="{3970B40A-924C-4652-84EA-738A657BCA3E}"/>
               </a:ext>
             </a:extLst>
           </p:cNvPr>
@@ -2696,7 +2780,7 @@
           <p:cNvPr id="4" name="Textplatzhalter 3">
             <a:extLst>
               <a:ext uri="{FF2B5EF4-FFF2-40B4-BE49-F238E27FC236}">
-                <a16:creationId xmlns="" xmlns:a16="http://schemas.microsoft.com/office/drawing/2014/main" id="{A20617F9-58EE-4F61-80F4-98239451E915}"/>
+                <a16:creationId xmlns:a16="http://schemas.microsoft.com/office/drawing/2014/main" xmlns="" id="{A20617F9-58EE-4F61-80F4-98239451E915}"/>
               </a:ext>
             </a:extLst>
           </p:cNvPr>
@@ -2767,7 +2851,7 @@
           <p:cNvPr id="5" name="Datumsplatzhalter 4">
             <a:extLst>
               <a:ext uri="{FF2B5EF4-FFF2-40B4-BE49-F238E27FC236}">
-                <a16:creationId xmlns="" xmlns:a16="http://schemas.microsoft.com/office/drawing/2014/main" id="{6B899663-6062-4ACA-9608-EA8459557A51}"/>
+                <a16:creationId xmlns:a16="http://schemas.microsoft.com/office/drawing/2014/main" xmlns="" id="{6B899663-6062-4ACA-9608-EA8459557A51}"/>
               </a:ext>
             </a:extLst>
           </p:cNvPr>
@@ -2796,7 +2880,7 @@
           <p:cNvPr id="6" name="Fußzeilenplatzhalter 5">
             <a:extLst>
               <a:ext uri="{FF2B5EF4-FFF2-40B4-BE49-F238E27FC236}">
-                <a16:creationId xmlns="" xmlns:a16="http://schemas.microsoft.com/office/drawing/2014/main" id="{067395E0-CF41-4056-9D68-80A3749C4116}"/>
+                <a16:creationId xmlns:a16="http://schemas.microsoft.com/office/drawing/2014/main" xmlns="" id="{067395E0-CF41-4056-9D68-80A3749C4116}"/>
               </a:ext>
             </a:extLst>
           </p:cNvPr>
@@ -2825,7 +2909,7 @@
           <p:cNvPr id="7" name="Foliennummernplatzhalter 6">
             <a:extLst>
               <a:ext uri="{FF2B5EF4-FFF2-40B4-BE49-F238E27FC236}">
-                <a16:creationId xmlns="" xmlns:a16="http://schemas.microsoft.com/office/drawing/2014/main" id="{C4108EB3-60C2-4467-80E1-32225A053F67}"/>
+                <a16:creationId xmlns:a16="http://schemas.microsoft.com/office/drawing/2014/main" xmlns="" id="{C4108EB3-60C2-4467-80E1-32225A053F67}"/>
               </a:ext>
             </a:extLst>
           </p:cNvPr>
@@ -2884,7 +2968,7 @@
           <p:cNvPr id="2" name="Titel 1">
             <a:extLst>
               <a:ext uri="{FF2B5EF4-FFF2-40B4-BE49-F238E27FC236}">
-                <a16:creationId xmlns="" xmlns:a16="http://schemas.microsoft.com/office/drawing/2014/main" id="{78453501-8D1D-4275-AF08-BE07FC923A57}"/>
+                <a16:creationId xmlns:a16="http://schemas.microsoft.com/office/drawing/2014/main" xmlns="" id="{78453501-8D1D-4275-AF08-BE07FC923A57}"/>
               </a:ext>
             </a:extLst>
           </p:cNvPr>
@@ -2921,7 +3005,7 @@
           <p:cNvPr id="3" name="Bildplatzhalter 2">
             <a:extLst>
               <a:ext uri="{FF2B5EF4-FFF2-40B4-BE49-F238E27FC236}">
-                <a16:creationId xmlns="" xmlns:a16="http://schemas.microsoft.com/office/drawing/2014/main" id="{A45FBDA9-E3FF-41F3-8B27-CFBB7D7B37F4}"/>
+                <a16:creationId xmlns:a16="http://schemas.microsoft.com/office/drawing/2014/main" xmlns="" id="{A45FBDA9-E3FF-41F3-8B27-CFBB7D7B37F4}"/>
               </a:ext>
             </a:extLst>
           </p:cNvPr>
@@ -2988,7 +3072,7 @@
           <p:cNvPr id="4" name="Textplatzhalter 3">
             <a:extLst>
               <a:ext uri="{FF2B5EF4-FFF2-40B4-BE49-F238E27FC236}">
-                <a16:creationId xmlns="" xmlns:a16="http://schemas.microsoft.com/office/drawing/2014/main" id="{DFE239B3-EF02-4929-9CEE-20BDA11404B8}"/>
+                <a16:creationId xmlns:a16="http://schemas.microsoft.com/office/drawing/2014/main" xmlns="" id="{DFE239B3-EF02-4929-9CEE-20BDA11404B8}"/>
               </a:ext>
             </a:extLst>
           </p:cNvPr>
@@ -3059,7 +3143,7 @@
           <p:cNvPr id="5" name="Datumsplatzhalter 4">
             <a:extLst>
               <a:ext uri="{FF2B5EF4-FFF2-40B4-BE49-F238E27FC236}">
-                <a16:creationId xmlns="" xmlns:a16="http://schemas.microsoft.com/office/drawing/2014/main" id="{8359258D-DD4E-4B36-80D9-7B3F4659B9B4}"/>
+                <a16:creationId xmlns:a16="http://schemas.microsoft.com/office/drawing/2014/main" xmlns="" id="{8359258D-DD4E-4B36-80D9-7B3F4659B9B4}"/>
               </a:ext>
             </a:extLst>
           </p:cNvPr>
@@ -3088,7 +3172,7 @@
           <p:cNvPr id="6" name="Fußzeilenplatzhalter 5">
             <a:extLst>
               <a:ext uri="{FF2B5EF4-FFF2-40B4-BE49-F238E27FC236}">
-                <a16:creationId xmlns="" xmlns:a16="http://schemas.microsoft.com/office/drawing/2014/main" id="{9D986F7D-1AC7-46F9-9FC7-1899543350E2}"/>
+                <a16:creationId xmlns:a16="http://schemas.microsoft.com/office/drawing/2014/main" xmlns="" id="{9D986F7D-1AC7-46F9-9FC7-1899543350E2}"/>
               </a:ext>
             </a:extLst>
           </p:cNvPr>
@@ -3117,7 +3201,7 @@
           <p:cNvPr id="7" name="Foliennummernplatzhalter 6">
             <a:extLst>
               <a:ext uri="{FF2B5EF4-FFF2-40B4-BE49-F238E27FC236}">
-                <a16:creationId xmlns="" xmlns:a16="http://schemas.microsoft.com/office/drawing/2014/main" id="{DD6E72DE-B6C2-456A-B2F3-7F7E05164A71}"/>
+                <a16:creationId xmlns:a16="http://schemas.microsoft.com/office/drawing/2014/main" xmlns="" id="{DD6E72DE-B6C2-456A-B2F3-7F7E05164A71}"/>
               </a:ext>
             </a:extLst>
           </p:cNvPr>
@@ -3181,7 +3265,7 @@
           <p:cNvPr id="2" name="Titelplatzhalter 1">
             <a:extLst>
               <a:ext uri="{FF2B5EF4-FFF2-40B4-BE49-F238E27FC236}">
-                <a16:creationId xmlns="" xmlns:a16="http://schemas.microsoft.com/office/drawing/2014/main" id="{B51E1A8A-ADC4-4534-88EB-4E9F5C35DC32}"/>
+                <a16:creationId xmlns:a16="http://schemas.microsoft.com/office/drawing/2014/main" xmlns="" id="{B51E1A8A-ADC4-4534-88EB-4E9F5C35DC32}"/>
               </a:ext>
             </a:extLst>
           </p:cNvPr>
@@ -3219,7 +3303,7 @@
           <p:cNvPr id="3" name="Textplatzhalter 2">
             <a:extLst>
               <a:ext uri="{FF2B5EF4-FFF2-40B4-BE49-F238E27FC236}">
-                <a16:creationId xmlns="" xmlns:a16="http://schemas.microsoft.com/office/drawing/2014/main" id="{E09B5E05-AB9E-4F51-A04B-24290BD9B903}"/>
+                <a16:creationId xmlns:a16="http://schemas.microsoft.com/office/drawing/2014/main" xmlns="" id="{E09B5E05-AB9E-4F51-A04B-24290BD9B903}"/>
               </a:ext>
             </a:extLst>
           </p:cNvPr>
@@ -3286,7 +3370,7 @@
           <p:cNvPr id="4" name="Datumsplatzhalter 3">
             <a:extLst>
               <a:ext uri="{FF2B5EF4-FFF2-40B4-BE49-F238E27FC236}">
-                <a16:creationId xmlns="" xmlns:a16="http://schemas.microsoft.com/office/drawing/2014/main" id="{0B410092-BEA1-4371-9723-398C602A86DA}"/>
+                <a16:creationId xmlns:a16="http://schemas.microsoft.com/office/drawing/2014/main" xmlns="" id="{0B410092-BEA1-4371-9723-398C602A86DA}"/>
               </a:ext>
             </a:extLst>
           </p:cNvPr>
@@ -3333,7 +3417,7 @@
           <p:cNvPr id="5" name="Fußzeilenplatzhalter 4">
             <a:extLst>
               <a:ext uri="{FF2B5EF4-FFF2-40B4-BE49-F238E27FC236}">
-                <a16:creationId xmlns="" xmlns:a16="http://schemas.microsoft.com/office/drawing/2014/main" id="{121B95C9-28FD-4D7C-BF46-622C9BDA2947}"/>
+                <a16:creationId xmlns:a16="http://schemas.microsoft.com/office/drawing/2014/main" xmlns="" id="{121B95C9-28FD-4D7C-BF46-622C9BDA2947}"/>
               </a:ext>
             </a:extLst>
           </p:cNvPr>
@@ -3380,7 +3464,7 @@
           <p:cNvPr id="6" name="Foliennummernplatzhalter 5">
             <a:extLst>
               <a:ext uri="{FF2B5EF4-FFF2-40B4-BE49-F238E27FC236}">
-                <a16:creationId xmlns="" xmlns:a16="http://schemas.microsoft.com/office/drawing/2014/main" id="{9BBC5043-F4DD-4746-A3FD-52FECF01659D}"/>
+                <a16:creationId xmlns:a16="http://schemas.microsoft.com/office/drawing/2014/main" xmlns="" id="{9BBC5043-F4DD-4746-A3FD-52FECF01659D}"/>
               </a:ext>
             </a:extLst>
           </p:cNvPr>
@@ -3749,7 +3833,7 @@
           <p:cNvPr id="8" name="Grafik 7">
             <a:extLst>
               <a:ext uri="{FF2B5EF4-FFF2-40B4-BE49-F238E27FC236}">
-                <a16:creationId xmlns="" xmlns:a16="http://schemas.microsoft.com/office/drawing/2014/main" id="{E7E2C6A5-D147-4C0D-AC4E-0B48C48BC4B8}"/>
+                <a16:creationId xmlns:a16="http://schemas.microsoft.com/office/drawing/2014/main" xmlns="" id="{E7E2C6A5-D147-4C0D-AC4E-0B48C48BC4B8}"/>
               </a:ext>
             </a:extLst>
           </p:cNvPr>
@@ -3779,7 +3863,7 @@
           <p:cNvPr id="4" name="Fußzeilenplatzhalter 3">
             <a:extLst>
               <a:ext uri="{FF2B5EF4-FFF2-40B4-BE49-F238E27FC236}">
-                <a16:creationId xmlns="" xmlns:a16="http://schemas.microsoft.com/office/drawing/2014/main" id="{EBEEBE32-E0F1-4769-9C78-BB3B31F5CA53}"/>
+                <a16:creationId xmlns:a16="http://schemas.microsoft.com/office/drawing/2014/main" xmlns="" id="{EBEEBE32-E0F1-4769-9C78-BB3B31F5CA53}"/>
               </a:ext>
             </a:extLst>
           </p:cNvPr>
@@ -3825,7 +3909,7 @@
           <p:cNvPr id="5" name="Foliennummernplatzhalter 4">
             <a:extLst>
               <a:ext uri="{FF2B5EF4-FFF2-40B4-BE49-F238E27FC236}">
-                <a16:creationId xmlns="" xmlns:a16="http://schemas.microsoft.com/office/drawing/2014/main" id="{FF774BF5-4681-422B-BB2E-A8C81B9F3BB8}"/>
+                <a16:creationId xmlns:a16="http://schemas.microsoft.com/office/drawing/2014/main" xmlns="" id="{FF774BF5-4681-422B-BB2E-A8C81B9F3BB8}"/>
               </a:ext>
             </a:extLst>
           </p:cNvPr>
@@ -3854,7 +3938,7 @@
           <p:cNvPr id="6" name="Grafik 5">
             <a:extLst>
               <a:ext uri="{FF2B5EF4-FFF2-40B4-BE49-F238E27FC236}">
-                <a16:creationId xmlns="" xmlns:a16="http://schemas.microsoft.com/office/drawing/2014/main" id="{BCAFA80E-26BB-4A40-86DD-C77151BB2E2B}"/>
+                <a16:creationId xmlns:a16="http://schemas.microsoft.com/office/drawing/2014/main" xmlns="" id="{BCAFA80E-26BB-4A40-86DD-C77151BB2E2B}"/>
               </a:ext>
             </a:extLst>
           </p:cNvPr>
@@ -3884,7 +3968,7 @@
           <p:cNvPr id="7" name="Grafik 6">
             <a:extLst>
               <a:ext uri="{FF2B5EF4-FFF2-40B4-BE49-F238E27FC236}">
-                <a16:creationId xmlns="" xmlns:a16="http://schemas.microsoft.com/office/drawing/2014/main" id="{C75C8862-9845-4296-9F2C-2F74796FA2DD}"/>
+                <a16:creationId xmlns:a16="http://schemas.microsoft.com/office/drawing/2014/main" xmlns="" id="{C75C8862-9845-4296-9F2C-2F74796FA2DD}"/>
               </a:ext>
             </a:extLst>
           </p:cNvPr>
@@ -4085,7 +4169,7 @@
           <p:cNvPr id="8" name="Grafik 7">
             <a:extLst>
               <a:ext uri="{FF2B5EF4-FFF2-40B4-BE49-F238E27FC236}">
-                <a16:creationId xmlns="" xmlns:a16="http://schemas.microsoft.com/office/drawing/2014/main" id="{E7E2C6A5-D147-4C0D-AC4E-0B48C48BC4B8}"/>
+                <a16:creationId xmlns:a16="http://schemas.microsoft.com/office/drawing/2014/main" xmlns="" id="{E7E2C6A5-D147-4C0D-AC4E-0B48C48BC4B8}"/>
               </a:ext>
             </a:extLst>
           </p:cNvPr>
@@ -4115,7 +4199,7 @@
           <p:cNvPr id="4" name="Fußzeilenplatzhalter 3">
             <a:extLst>
               <a:ext uri="{FF2B5EF4-FFF2-40B4-BE49-F238E27FC236}">
-                <a16:creationId xmlns="" xmlns:a16="http://schemas.microsoft.com/office/drawing/2014/main" id="{EBEEBE32-E0F1-4769-9C78-BB3B31F5CA53}"/>
+                <a16:creationId xmlns:a16="http://schemas.microsoft.com/office/drawing/2014/main" xmlns="" id="{EBEEBE32-E0F1-4769-9C78-BB3B31F5CA53}"/>
               </a:ext>
             </a:extLst>
           </p:cNvPr>
@@ -4149,7 +4233,7 @@
           <p:cNvPr id="5" name="Foliennummernplatzhalter 4">
             <a:extLst>
               <a:ext uri="{FF2B5EF4-FFF2-40B4-BE49-F238E27FC236}">
-                <a16:creationId xmlns="" xmlns:a16="http://schemas.microsoft.com/office/drawing/2014/main" id="{FF774BF5-4681-422B-BB2E-A8C81B9F3BB8}"/>
+                <a16:creationId xmlns:a16="http://schemas.microsoft.com/office/drawing/2014/main" xmlns="" id="{FF774BF5-4681-422B-BB2E-A8C81B9F3BB8}"/>
               </a:ext>
             </a:extLst>
           </p:cNvPr>
@@ -4178,7 +4262,7 @@
           <p:cNvPr id="6" name="Grafik 5">
             <a:extLst>
               <a:ext uri="{FF2B5EF4-FFF2-40B4-BE49-F238E27FC236}">
-                <a16:creationId xmlns="" xmlns:a16="http://schemas.microsoft.com/office/drawing/2014/main" id="{BCAFA80E-26BB-4A40-86DD-C77151BB2E2B}"/>
+                <a16:creationId xmlns:a16="http://schemas.microsoft.com/office/drawing/2014/main" xmlns="" id="{BCAFA80E-26BB-4A40-86DD-C77151BB2E2B}"/>
               </a:ext>
             </a:extLst>
           </p:cNvPr>
@@ -4208,7 +4292,7 @@
           <p:cNvPr id="7" name="Grafik 6">
             <a:extLst>
               <a:ext uri="{FF2B5EF4-FFF2-40B4-BE49-F238E27FC236}">
-                <a16:creationId xmlns="" xmlns:a16="http://schemas.microsoft.com/office/drawing/2014/main" id="{C75C8862-9845-4296-9F2C-2F74796FA2DD}"/>
+                <a16:creationId xmlns:a16="http://schemas.microsoft.com/office/drawing/2014/main" xmlns="" id="{C75C8862-9845-4296-9F2C-2F74796FA2DD}"/>
               </a:ext>
             </a:extLst>
           </p:cNvPr>
@@ -4798,11 +4882,7 @@
             <a:p>
               <a:r>
                 <a:rPr lang="de-DE" sz="1100" dirty="0" smtClean="0"/>
-                <a:t>Express</a:t>
-              </a:r>
-              <a:r>
-                <a:rPr lang="de-DE" sz="1100" dirty="0" smtClean="0"/>
-                <a:t> </a:t>
+                <a:t>Express </a:t>
               </a:r>
               <a:endParaRPr lang="de-DE" sz="1100" dirty="0"/>
             </a:p>
@@ -5387,7 +5467,7 @@
           <p:cNvPr id="8" name="Grafik 7">
             <a:extLst>
               <a:ext uri="{FF2B5EF4-FFF2-40B4-BE49-F238E27FC236}">
-                <a16:creationId xmlns="" xmlns:a16="http://schemas.microsoft.com/office/drawing/2014/main" id="{E7E2C6A5-D147-4C0D-AC4E-0B48C48BC4B8}"/>
+                <a16:creationId xmlns:a16="http://schemas.microsoft.com/office/drawing/2014/main" xmlns="" id="{E7E2C6A5-D147-4C0D-AC4E-0B48C48BC4B8}"/>
               </a:ext>
             </a:extLst>
           </p:cNvPr>
@@ -5417,7 +5497,7 @@
           <p:cNvPr id="4" name="Fußzeilenplatzhalter 3">
             <a:extLst>
               <a:ext uri="{FF2B5EF4-FFF2-40B4-BE49-F238E27FC236}">
-                <a16:creationId xmlns="" xmlns:a16="http://schemas.microsoft.com/office/drawing/2014/main" id="{EBEEBE32-E0F1-4769-9C78-BB3B31F5CA53}"/>
+                <a16:creationId xmlns:a16="http://schemas.microsoft.com/office/drawing/2014/main" xmlns="" id="{EBEEBE32-E0F1-4769-9C78-BB3B31F5CA53}"/>
               </a:ext>
             </a:extLst>
           </p:cNvPr>
@@ -5451,7 +5531,7 @@
           <p:cNvPr id="5" name="Foliennummernplatzhalter 4">
             <a:extLst>
               <a:ext uri="{FF2B5EF4-FFF2-40B4-BE49-F238E27FC236}">
-                <a16:creationId xmlns="" xmlns:a16="http://schemas.microsoft.com/office/drawing/2014/main" id="{FF774BF5-4681-422B-BB2E-A8C81B9F3BB8}"/>
+                <a16:creationId xmlns:a16="http://schemas.microsoft.com/office/drawing/2014/main" xmlns="" id="{FF774BF5-4681-422B-BB2E-A8C81B9F3BB8}"/>
               </a:ext>
             </a:extLst>
           </p:cNvPr>
@@ -5480,7 +5560,7 @@
           <p:cNvPr id="6" name="Grafik 5">
             <a:extLst>
               <a:ext uri="{FF2B5EF4-FFF2-40B4-BE49-F238E27FC236}">
-                <a16:creationId xmlns="" xmlns:a16="http://schemas.microsoft.com/office/drawing/2014/main" id="{BCAFA80E-26BB-4A40-86DD-C77151BB2E2B}"/>
+                <a16:creationId xmlns:a16="http://schemas.microsoft.com/office/drawing/2014/main" xmlns="" id="{BCAFA80E-26BB-4A40-86DD-C77151BB2E2B}"/>
               </a:ext>
             </a:extLst>
           </p:cNvPr>
@@ -5510,7 +5590,7 @@
           <p:cNvPr id="7" name="Grafik 6">
             <a:extLst>
               <a:ext uri="{FF2B5EF4-FFF2-40B4-BE49-F238E27FC236}">
-                <a16:creationId xmlns="" xmlns:a16="http://schemas.microsoft.com/office/drawing/2014/main" id="{C75C8862-9845-4296-9F2C-2F74796FA2DD}"/>
+                <a16:creationId xmlns:a16="http://schemas.microsoft.com/office/drawing/2014/main" xmlns="" id="{C75C8862-9845-4296-9F2C-2F74796FA2DD}"/>
               </a:ext>
             </a:extLst>
           </p:cNvPr>
@@ -6214,11 +6294,7 @@
             <a:p>
               <a:r>
                 <a:rPr lang="de-DE" sz="1100" dirty="0" smtClean="0"/>
-                <a:t>Express</a:t>
-              </a:r>
-              <a:r>
-                <a:rPr lang="de-DE" sz="1100" dirty="0" smtClean="0"/>
-                <a:t> </a:t>
+                <a:t>Express </a:t>
               </a:r>
               <a:endParaRPr lang="de-DE" sz="1100" dirty="0"/>
             </a:p>
@@ -6704,7 +6780,15 @@
             </a:pPr>
             <a:r>
               <a:rPr lang="en-GB" sz="1400" dirty="0" smtClean="0"/>
-              <a:t>Issue arises on second response since the connection is stateless, the server is confused as to which server instance the request is meant for</a:t>
+              <a:t>Issue arises on second </a:t>
+            </a:r>
+            <a:r>
+              <a:rPr lang="en-GB" sz="1400" dirty="0" smtClean="0"/>
+              <a:t>request </a:t>
+            </a:r>
+            <a:r>
+              <a:rPr lang="en-GB" sz="1400" dirty="0" smtClean="0"/>
+              <a:t>since the connection is stateless, the server is confused as to which server instance the request is meant for</a:t>
             </a:r>
             <a:endParaRPr lang="en-GB" sz="1400" dirty="0"/>
           </a:p>
@@ -6980,100 +7064,7 @@
           <p:cNvPr id="8" name="Grafik 7">
             <a:extLst>
               <a:ext uri="{FF2B5EF4-FFF2-40B4-BE49-F238E27FC236}">
-                <a16:creationId xmlns="" xmlns:a16="http://schemas.microsoft.com/office/drawing/2014/main" id="{E7E2C6A5-D147-4C0D-AC4E-0B48C48BC4B8}"/>
-              </a:ext>
-            </a:extLst>
-          </p:cNvPr>
-          <p:cNvPicPr>
-            <a:picLocks noChangeAspect="1"/>
-          </p:cNvPicPr>
-          <p:nvPr/>
-        </p:nvPicPr>
-        <p:blipFill>
-          <a:blip r:embed="rId2"/>
-          <a:stretch>
-            <a:fillRect/>
-          </a:stretch>
-        </p:blipFill>
-        <p:spPr>
-          <a:xfrm>
-            <a:off x="0" y="6103029"/>
-            <a:ext cx="12192000" cy="505097"/>
-          </a:xfrm>
-          <a:prstGeom prst="rect">
-            <a:avLst/>
-          </a:prstGeom>
-        </p:spPr>
-      </p:pic>
-      <p:sp>
-        <p:nvSpPr>
-          <p:cNvPr id="4" name="Fußzeilenplatzhalter 3">
-            <a:extLst>
-              <a:ext uri="{FF2B5EF4-FFF2-40B4-BE49-F238E27FC236}">
-                <a16:creationId xmlns="" xmlns:a16="http://schemas.microsoft.com/office/drawing/2014/main" id="{EBEEBE32-E0F1-4769-9C78-BB3B31F5CA53}"/>
-              </a:ext>
-            </a:extLst>
-          </p:cNvPr>
-          <p:cNvSpPr>
-            <a:spLocks noGrp="1"/>
-          </p:cNvSpPr>
-          <p:nvPr>
-            <p:ph type="ftr" sz="quarter" idx="11"/>
-          </p:nvPr>
-        </p:nvSpPr>
-        <p:spPr>
-          <a:xfrm>
-            <a:off x="4038600" y="6514100"/>
-            <a:ext cx="4114800" cy="316706"/>
-          </a:xfrm>
-        </p:spPr>
-        <p:txBody>
-          <a:bodyPr/>
-          <a:lstStyle/>
-          <a:p>
-            <a:r>
-              <a:rPr lang="en-US" smtClean="0"/>
-              <a:t>Hannah Haist | Trang Le Hong | Felix Schoch</a:t>
-            </a:r>
-            <a:endParaRPr lang="de-DE" dirty="0"/>
-          </a:p>
-        </p:txBody>
-      </p:sp>
-      <p:sp>
-        <p:nvSpPr>
-          <p:cNvPr id="5" name="Foliennummernplatzhalter 4">
-            <a:extLst>
-              <a:ext uri="{FF2B5EF4-FFF2-40B4-BE49-F238E27FC236}">
-                <a16:creationId xmlns="" xmlns:a16="http://schemas.microsoft.com/office/drawing/2014/main" id="{FF774BF5-4681-422B-BB2E-A8C81B9F3BB8}"/>
-              </a:ext>
-            </a:extLst>
-          </p:cNvPr>
-          <p:cNvSpPr>
-            <a:spLocks noGrp="1"/>
-          </p:cNvSpPr>
-          <p:nvPr>
-            <p:ph type="sldNum" sz="quarter" idx="12"/>
-          </p:nvPr>
-        </p:nvSpPr>
-        <p:spPr/>
-        <p:txBody>
-          <a:bodyPr/>
-          <a:lstStyle/>
-          <a:p>
-            <a:fld id="{84940753-34CA-4D56-AA4B-98285DECA8F8}" type="slidenum">
-              <a:rPr lang="de-DE" smtClean="0"/>
-              <a:t>4</a:t>
-            </a:fld>
-            <a:endParaRPr lang="de-DE"/>
-          </a:p>
-        </p:txBody>
-      </p:sp>
-      <p:pic>
-        <p:nvPicPr>
-          <p:cNvPr id="6" name="Grafik 5">
-            <a:extLst>
-              <a:ext uri="{FF2B5EF4-FFF2-40B4-BE49-F238E27FC236}">
-                <a16:creationId xmlns="" xmlns:a16="http://schemas.microsoft.com/office/drawing/2014/main" id="{BCAFA80E-26BB-4A40-86DD-C77151BB2E2B}"/>
+                <a16:creationId xmlns:a16="http://schemas.microsoft.com/office/drawing/2014/main" xmlns="" id="{E7E2C6A5-D147-4C0D-AC4E-0B48C48BC4B8}"/>
               </a:ext>
             </a:extLst>
           </p:cNvPr>
@@ -7090,20 +7081,83 @@
         </p:blipFill>
         <p:spPr>
           <a:xfrm>
-            <a:off x="9418800" y="524063"/>
-            <a:ext cx="1935000" cy="598300"/>
+            <a:off x="0" y="6103029"/>
+            <a:ext cx="12192000" cy="505097"/>
           </a:xfrm>
           <a:prstGeom prst="rect">
             <a:avLst/>
           </a:prstGeom>
         </p:spPr>
       </p:pic>
+      <p:sp>
+        <p:nvSpPr>
+          <p:cNvPr id="4" name="Fußzeilenplatzhalter 3">
+            <a:extLst>
+              <a:ext uri="{FF2B5EF4-FFF2-40B4-BE49-F238E27FC236}">
+                <a16:creationId xmlns:a16="http://schemas.microsoft.com/office/drawing/2014/main" xmlns="" id="{EBEEBE32-E0F1-4769-9C78-BB3B31F5CA53}"/>
+              </a:ext>
+            </a:extLst>
+          </p:cNvPr>
+          <p:cNvSpPr>
+            <a:spLocks noGrp="1"/>
+          </p:cNvSpPr>
+          <p:nvPr>
+            <p:ph type="ftr" sz="quarter" idx="11"/>
+          </p:nvPr>
+        </p:nvSpPr>
+        <p:spPr>
+          <a:xfrm>
+            <a:off x="4038600" y="6514100"/>
+            <a:ext cx="4114800" cy="316706"/>
+          </a:xfrm>
+        </p:spPr>
+        <p:txBody>
+          <a:bodyPr/>
+          <a:lstStyle/>
+          <a:p>
+            <a:r>
+              <a:rPr lang="en-US" smtClean="0"/>
+              <a:t>Hannah Haist | Trang Le Hong | Felix Schoch</a:t>
+            </a:r>
+            <a:endParaRPr lang="de-DE" dirty="0"/>
+          </a:p>
+        </p:txBody>
+      </p:sp>
+      <p:sp>
+        <p:nvSpPr>
+          <p:cNvPr id="5" name="Foliennummernplatzhalter 4">
+            <a:extLst>
+              <a:ext uri="{FF2B5EF4-FFF2-40B4-BE49-F238E27FC236}">
+                <a16:creationId xmlns:a16="http://schemas.microsoft.com/office/drawing/2014/main" xmlns="" id="{FF774BF5-4681-422B-BB2E-A8C81B9F3BB8}"/>
+              </a:ext>
+            </a:extLst>
+          </p:cNvPr>
+          <p:cNvSpPr>
+            <a:spLocks noGrp="1"/>
+          </p:cNvSpPr>
+          <p:nvPr>
+            <p:ph type="sldNum" sz="quarter" idx="12"/>
+          </p:nvPr>
+        </p:nvSpPr>
+        <p:spPr/>
+        <p:txBody>
+          <a:bodyPr/>
+          <a:lstStyle/>
+          <a:p>
+            <a:fld id="{84940753-34CA-4D56-AA4B-98285DECA8F8}" type="slidenum">
+              <a:rPr lang="de-DE" smtClean="0"/>
+              <a:t>4</a:t>
+            </a:fld>
+            <a:endParaRPr lang="de-DE"/>
+          </a:p>
+        </p:txBody>
+      </p:sp>
       <p:pic>
         <p:nvPicPr>
-          <p:cNvPr id="7" name="Grafik 6">
+          <p:cNvPr id="6" name="Grafik 5">
             <a:extLst>
               <a:ext uri="{FF2B5EF4-FFF2-40B4-BE49-F238E27FC236}">
-                <a16:creationId xmlns="" xmlns:a16="http://schemas.microsoft.com/office/drawing/2014/main" id="{C75C8862-9845-4296-9F2C-2F74796FA2DD}"/>
+                <a16:creationId xmlns:a16="http://schemas.microsoft.com/office/drawing/2014/main" xmlns="" id="{BCAFA80E-26BB-4A40-86DD-C77151BB2E2B}"/>
               </a:ext>
             </a:extLst>
           </p:cNvPr>
@@ -7120,6 +7174,36 @@
         </p:blipFill>
         <p:spPr>
           <a:xfrm>
+            <a:off x="9418800" y="524063"/>
+            <a:ext cx="1935000" cy="598300"/>
+          </a:xfrm>
+          <a:prstGeom prst="rect">
+            <a:avLst/>
+          </a:prstGeom>
+        </p:spPr>
+      </p:pic>
+      <p:pic>
+        <p:nvPicPr>
+          <p:cNvPr id="7" name="Grafik 6">
+            <a:extLst>
+              <a:ext uri="{FF2B5EF4-FFF2-40B4-BE49-F238E27FC236}">
+                <a16:creationId xmlns:a16="http://schemas.microsoft.com/office/drawing/2014/main" xmlns="" id="{C75C8862-9845-4296-9F2C-2F74796FA2DD}"/>
+              </a:ext>
+            </a:extLst>
+          </p:cNvPr>
+          <p:cNvPicPr>
+            <a:picLocks noChangeAspect="1"/>
+          </p:cNvPicPr>
+          <p:nvPr/>
+        </p:nvPicPr>
+        <p:blipFill>
+          <a:blip r:embed="rId5"/>
+          <a:stretch>
+            <a:fillRect/>
+          </a:stretch>
+        </p:blipFill>
+        <p:spPr>
+          <a:xfrm>
             <a:off x="9418800" y="5768323"/>
             <a:ext cx="2244600" cy="598300"/>
           </a:xfrm>
@@ -7177,7 +7261,7 @@
           <p:nvPr/>
         </p:nvPicPr>
         <p:blipFill>
-          <a:blip r:embed="rId5" cstate="print">
+          <a:blip r:embed="rId6" cstate="print">
             <a:extLst>
               <a:ext uri="{28A0092B-C50C-407E-A947-70E740481C1C}">
                 <a14:useLocalDpi xmlns:a14="http://schemas.microsoft.com/office/drawing/2010/main" val="0"/>
@@ -7963,11 +8047,7 @@
               <a:p>
                 <a:r>
                   <a:rPr lang="de-DE" sz="1100" dirty="0" smtClean="0"/>
-                  <a:t>Express</a:t>
-                </a:r>
-                <a:r>
-                  <a:rPr lang="de-DE" sz="1100" dirty="0" smtClean="0"/>
-                  <a:t> </a:t>
+                  <a:t>Express </a:t>
                 </a:r>
                 <a:endParaRPr lang="de-DE" sz="1100" dirty="0"/>
               </a:p>
@@ -8153,8 +8233,8 @@
           </p:nvSpPr>
           <p:spPr>
             <a:xfrm>
-              <a:off x="9614283" y="2450342"/>
-              <a:ext cx="529331" cy="646331"/>
+              <a:off x="9560224" y="2430060"/>
+              <a:ext cx="643885" cy="689896"/>
             </a:xfrm>
             <a:prstGeom prst="rect">
               <a:avLst/>
@@ -8163,7 +8243,7 @@
           </p:spPr>
           <p:txBody>
             <a:bodyPr wrap="square" rtlCol="0">
-              <a:normAutofit fontScale="70000" lnSpcReduction="20000"/>
+              <a:normAutofit fontScale="85000" lnSpcReduction="10000"/>
             </a:bodyPr>
             <a:lstStyle/>
             <a:p>
@@ -8572,7 +8652,26 @@
             <a:pPr algn="ctr"/>
             <a:r>
               <a:rPr lang="en-GB" sz="1100" dirty="0" smtClean="0"/>
-              <a:t>Middleware act as load balancer</a:t>
+              <a:t>Middleware act as load </a:t>
+            </a:r>
+            <a:r>
+              <a:rPr lang="en-GB" sz="1100" dirty="0" smtClean="0"/>
+              <a:t>balancer</a:t>
+            </a:r>
+          </a:p>
+          <a:p>
+            <a:pPr algn="ctr"/>
+            <a:r>
+              <a:rPr lang="en-GB" sz="1100" dirty="0" smtClean="0"/>
+              <a:t>(store &amp; manage </a:t>
+            </a:r>
+            <a:r>
+              <a:rPr lang="en-GB" sz="1100" dirty="0" err="1" smtClean="0"/>
+              <a:t>sessionID</a:t>
+            </a:r>
+            <a:r>
+              <a:rPr lang="en-GB" sz="1100" dirty="0" smtClean="0"/>
+              <a:t>)</a:t>
             </a:r>
             <a:endParaRPr lang="en-GB" sz="1100" dirty="0"/>
           </a:p>
@@ -8828,7 +8927,7 @@
           <p:cNvPr id="8" name="Grafik 7">
             <a:extLst>
               <a:ext uri="{FF2B5EF4-FFF2-40B4-BE49-F238E27FC236}">
-                <a16:creationId xmlns="" xmlns:a16="http://schemas.microsoft.com/office/drawing/2014/main" id="{E7E2C6A5-D147-4C0D-AC4E-0B48C48BC4B8}"/>
+                <a16:creationId xmlns:a16="http://schemas.microsoft.com/office/drawing/2014/main" xmlns="" id="{E7E2C6A5-D147-4C0D-AC4E-0B48C48BC4B8}"/>
               </a:ext>
             </a:extLst>
           </p:cNvPr>
@@ -8858,7 +8957,7 @@
           <p:cNvPr id="4" name="Fußzeilenplatzhalter 3">
             <a:extLst>
               <a:ext uri="{FF2B5EF4-FFF2-40B4-BE49-F238E27FC236}">
-                <a16:creationId xmlns="" xmlns:a16="http://schemas.microsoft.com/office/drawing/2014/main" id="{EBEEBE32-E0F1-4769-9C78-BB3B31F5CA53}"/>
+                <a16:creationId xmlns:a16="http://schemas.microsoft.com/office/drawing/2014/main" xmlns="" id="{EBEEBE32-E0F1-4769-9C78-BB3B31F5CA53}"/>
               </a:ext>
             </a:extLst>
           </p:cNvPr>
@@ -8892,7 +8991,7 @@
           <p:cNvPr id="5" name="Foliennummernplatzhalter 4">
             <a:extLst>
               <a:ext uri="{FF2B5EF4-FFF2-40B4-BE49-F238E27FC236}">
-                <a16:creationId xmlns="" xmlns:a16="http://schemas.microsoft.com/office/drawing/2014/main" id="{FF774BF5-4681-422B-BB2E-A8C81B9F3BB8}"/>
+                <a16:creationId xmlns:a16="http://schemas.microsoft.com/office/drawing/2014/main" xmlns="" id="{FF774BF5-4681-422B-BB2E-A8C81B9F3BB8}"/>
               </a:ext>
             </a:extLst>
           </p:cNvPr>
@@ -8921,7 +9020,7 @@
           <p:cNvPr id="6" name="Grafik 5">
             <a:extLst>
               <a:ext uri="{FF2B5EF4-FFF2-40B4-BE49-F238E27FC236}">
-                <a16:creationId xmlns="" xmlns:a16="http://schemas.microsoft.com/office/drawing/2014/main" id="{BCAFA80E-26BB-4A40-86DD-C77151BB2E2B}"/>
+                <a16:creationId xmlns:a16="http://schemas.microsoft.com/office/drawing/2014/main" xmlns="" id="{BCAFA80E-26BB-4A40-86DD-C77151BB2E2B}"/>
               </a:ext>
             </a:extLst>
           </p:cNvPr>
@@ -8951,7 +9050,7 @@
           <p:cNvPr id="7" name="Grafik 6">
             <a:extLst>
               <a:ext uri="{FF2B5EF4-FFF2-40B4-BE49-F238E27FC236}">
-                <a16:creationId xmlns="" xmlns:a16="http://schemas.microsoft.com/office/drawing/2014/main" id="{C75C8862-9845-4296-9F2C-2F74796FA2DD}"/>
+                <a16:creationId xmlns:a16="http://schemas.microsoft.com/office/drawing/2014/main" xmlns="" id="{C75C8862-9845-4296-9F2C-2F74796FA2DD}"/>
               </a:ext>
             </a:extLst>
           </p:cNvPr>
@@ -8985,7 +9084,7 @@
         <p:spPr>
           <a:xfrm>
             <a:off x="901874" y="1122363"/>
-            <a:ext cx="9294312" cy="6093976"/>
+            <a:ext cx="9294312" cy="5816977"/>
           </a:xfrm>
           <a:prstGeom prst="rect">
             <a:avLst/>
@@ -9041,7 +9140,53 @@
           <a:p>
             <a:r>
               <a:rPr lang="de-DE" dirty="0" smtClean="0"/>
-              <a:t>	easy </a:t>
+              <a:t>	</a:t>
+            </a:r>
+            <a:r>
+              <a:rPr lang="de-DE" dirty="0" smtClean="0"/>
+              <a:t>Load </a:t>
+            </a:r>
+            <a:r>
+              <a:rPr lang="de-DE" dirty="0" err="1" smtClean="0"/>
+              <a:t>Balancer</a:t>
+            </a:r>
+            <a:r>
+              <a:rPr lang="de-DE" dirty="0" smtClean="0"/>
+              <a:t> </a:t>
+            </a:r>
+            <a:r>
+              <a:rPr lang="de-DE" dirty="0" err="1" smtClean="0"/>
+              <a:t>service</a:t>
+            </a:r>
+            <a:r>
+              <a:rPr lang="de-DE" dirty="0" smtClean="0"/>
+              <a:t> </a:t>
+            </a:r>
+            <a:r>
+              <a:rPr lang="de-DE" dirty="0" err="1" smtClean="0"/>
+              <a:t>from</a:t>
+            </a:r>
+            <a:r>
+              <a:rPr lang="de-DE" dirty="0" smtClean="0"/>
+              <a:t> IBM</a:t>
+            </a:r>
+            <a:endParaRPr lang="de-DE" dirty="0"/>
+          </a:p>
+          <a:p>
+            <a:endParaRPr lang="de-DE" dirty="0"/>
+          </a:p>
+          <a:p>
+            <a:r>
+              <a:rPr lang="de-DE" dirty="0" smtClean="0"/>
+              <a:t>	</a:t>
+            </a:r>
+            <a:r>
+              <a:rPr lang="de-DE" dirty="0" err="1" smtClean="0"/>
+              <a:t>How</a:t>
+            </a:r>
+            <a:r>
+              <a:rPr lang="de-DE" dirty="0" smtClean="0"/>
+              <a:t> </a:t>
             </a:r>
             <a:r>
               <a:rPr lang="de-DE" dirty="0" err="1" smtClean="0"/>
@@ -9065,19 +9210,15 @@
             </a:r>
             <a:r>
               <a:rPr lang="de-DE" dirty="0" smtClean="0"/>
-              <a:t> </a:t>
+              <a:t> &amp; manage </a:t>
             </a:r>
             <a:r>
               <a:rPr lang="de-DE" dirty="0" err="1" smtClean="0"/>
-              <a:t>and</a:t>
-            </a:r>
-            <a:r>
-              <a:rPr lang="de-DE" dirty="0" smtClean="0"/>
-              <a:t> host a </a:t>
+              <a:t>session</a:t>
             </a:r>
             <a:r>
               <a:rPr lang="de-DE" dirty="0" err="1" smtClean="0"/>
-              <a:t>server</a:t>
+              <a:t>s</a:t>
             </a:r>
             <a:r>
               <a:rPr lang="de-DE" dirty="0" smtClean="0"/>
@@ -9085,25 +9226,7 @@
             </a:r>
             <a:r>
               <a:rPr lang="de-DE" dirty="0" err="1" smtClean="0"/>
-              <a:t>with</a:t>
-            </a:r>
-            <a:r>
-              <a:rPr lang="de-DE" dirty="0" smtClean="0"/>
-              <a:t> node.js </a:t>
-            </a:r>
-            <a:endParaRPr lang="de-DE" dirty="0"/>
-          </a:p>
-          <a:p>
-            <a:endParaRPr lang="de-DE" dirty="0"/>
-          </a:p>
-          <a:p>
-            <a:r>
-              <a:rPr lang="de-DE" dirty="0" smtClean="0"/>
-              <a:t>	event-</a:t>
-            </a:r>
-            <a:r>
-              <a:rPr lang="de-DE" dirty="0" err="1" smtClean="0"/>
-              <a:t>based</a:t>
+              <a:t>when</a:t>
             </a:r>
             <a:r>
               <a:rPr lang="de-DE" dirty="0" smtClean="0"/>
@@ -9111,7 +9234,15 @@
             </a:r>
             <a:r>
               <a:rPr lang="de-DE" dirty="0" err="1" smtClean="0"/>
-              <a:t>communication</a:t>
+              <a:t>applying</a:t>
+            </a:r>
+            <a:r>
+              <a:rPr lang="de-DE" dirty="0" smtClean="0"/>
+              <a:t> multiple </a:t>
+            </a:r>
+            <a:r>
+              <a:rPr lang="de-DE" dirty="0" err="1" smtClean="0"/>
+              <a:t>instances</a:t>
             </a:r>
             <a:r>
               <a:rPr lang="de-DE" dirty="0" smtClean="0"/>
@@ -9119,62 +9250,8 @@
             </a:r>
             <a:r>
               <a:rPr lang="de-DE" dirty="0" err="1" smtClean="0"/>
-              <a:t>between</a:t>
-            </a:r>
-            <a:r>
-              <a:rPr lang="de-DE" dirty="0" smtClean="0"/>
-              <a:t> </a:t>
-            </a:r>
-            <a:r>
-              <a:rPr lang="de-DE" dirty="0" err="1" smtClean="0"/>
-              <a:t>server</a:t>
-            </a:r>
-            <a:r>
-              <a:rPr lang="de-DE" dirty="0" smtClean="0"/>
-              <a:t> </a:t>
-            </a:r>
-            <a:r>
-              <a:rPr lang="de-DE" dirty="0" err="1" smtClean="0"/>
-              <a:t>and</a:t>
-            </a:r>
-            <a:r>
-              <a:rPr lang="de-DE" dirty="0" smtClean="0"/>
-              <a:t> </a:t>
-            </a:r>
-            <a:r>
-              <a:rPr lang="de-DE" dirty="0" err="1" smtClean="0"/>
-              <a:t>client</a:t>
-            </a:r>
-            <a:r>
-              <a:rPr lang="de-DE" dirty="0" smtClean="0"/>
-              <a:t> via </a:t>
-            </a:r>
-            <a:r>
-              <a:rPr lang="de-DE" dirty="0" err="1" smtClean="0"/>
-              <a:t>methods</a:t>
-            </a:r>
-            <a:r>
-              <a:rPr lang="de-DE" dirty="0" smtClean="0"/>
-              <a:t> on() </a:t>
-            </a:r>
-            <a:r>
-              <a:rPr lang="de-DE" dirty="0" err="1" smtClean="0"/>
-              <a:t>and</a:t>
-            </a:r>
-            <a:r>
-              <a:rPr lang="de-DE" dirty="0" smtClean="0"/>
-              <a:t> </a:t>
-            </a:r>
-            <a:r>
-              <a:rPr lang="de-DE" dirty="0" err="1" smtClean="0"/>
-              <a:t>emit</a:t>
-            </a:r>
-            <a:r>
-              <a:rPr lang="de-DE" dirty="0" smtClean="0"/>
-              <a:t>()</a:t>
-            </a:r>
-          </a:p>
-          <a:p>
+              <a:t>architechture</a:t>
+            </a:r>
             <a:endParaRPr lang="de-DE" dirty="0"/>
           </a:p>
           <a:p>
@@ -9338,7 +9415,7 @@
           <p:cNvPr id="8" name="Grafik 7">
             <a:extLst>
               <a:ext uri="{FF2B5EF4-FFF2-40B4-BE49-F238E27FC236}">
-                <a16:creationId xmlns="" xmlns:a16="http://schemas.microsoft.com/office/drawing/2014/main" id="{E7E2C6A5-D147-4C0D-AC4E-0B48C48BC4B8}"/>
+                <a16:creationId xmlns:a16="http://schemas.microsoft.com/office/drawing/2014/main" xmlns="" id="{E7E2C6A5-D147-4C0D-AC4E-0B48C48BC4B8}"/>
               </a:ext>
             </a:extLst>
           </p:cNvPr>
@@ -9368,7 +9445,7 @@
           <p:cNvPr id="4" name="Fußzeilenplatzhalter 3">
             <a:extLst>
               <a:ext uri="{FF2B5EF4-FFF2-40B4-BE49-F238E27FC236}">
-                <a16:creationId xmlns="" xmlns:a16="http://schemas.microsoft.com/office/drawing/2014/main" id="{EBEEBE32-E0F1-4769-9C78-BB3B31F5CA53}"/>
+                <a16:creationId xmlns:a16="http://schemas.microsoft.com/office/drawing/2014/main" xmlns="" id="{EBEEBE32-E0F1-4769-9C78-BB3B31F5CA53}"/>
               </a:ext>
             </a:extLst>
           </p:cNvPr>
@@ -9402,7 +9479,7 @@
           <p:cNvPr id="5" name="Foliennummernplatzhalter 4">
             <a:extLst>
               <a:ext uri="{FF2B5EF4-FFF2-40B4-BE49-F238E27FC236}">
-                <a16:creationId xmlns="" xmlns:a16="http://schemas.microsoft.com/office/drawing/2014/main" id="{FF774BF5-4681-422B-BB2E-A8C81B9F3BB8}"/>
+                <a16:creationId xmlns:a16="http://schemas.microsoft.com/office/drawing/2014/main" xmlns="" id="{FF774BF5-4681-422B-BB2E-A8C81B9F3BB8}"/>
               </a:ext>
             </a:extLst>
           </p:cNvPr>
@@ -9431,7 +9508,7 @@
           <p:cNvPr id="6" name="Grafik 5">
             <a:extLst>
               <a:ext uri="{FF2B5EF4-FFF2-40B4-BE49-F238E27FC236}">
-                <a16:creationId xmlns="" xmlns:a16="http://schemas.microsoft.com/office/drawing/2014/main" id="{BCAFA80E-26BB-4A40-86DD-C77151BB2E2B}"/>
+                <a16:creationId xmlns:a16="http://schemas.microsoft.com/office/drawing/2014/main" xmlns="" id="{BCAFA80E-26BB-4A40-86DD-C77151BB2E2B}"/>
               </a:ext>
             </a:extLst>
           </p:cNvPr>
@@ -9461,7 +9538,7 @@
           <p:cNvPr id="7" name="Grafik 6">
             <a:extLst>
               <a:ext uri="{FF2B5EF4-FFF2-40B4-BE49-F238E27FC236}">
-                <a16:creationId xmlns="" xmlns:a16="http://schemas.microsoft.com/office/drawing/2014/main" id="{C75C8862-9845-4296-9F2C-2F74796FA2DD}"/>
+                <a16:creationId xmlns:a16="http://schemas.microsoft.com/office/drawing/2014/main" xmlns="" id="{C75C8862-9845-4296-9F2C-2F74796FA2DD}"/>
               </a:ext>
             </a:extLst>
           </p:cNvPr>
